--- a/Project_Interview/AI.pptx
+++ b/Project_Interview/AI.pptx
@@ -9,7 +9,7 @@
   </p:notesMasterIdLst>
   <p:sldIdLst>
     <p:sldId id="256" r:id="rId2"/>
-    <p:sldId id="257" r:id="rId3"/>
+    <p:sldId id="259" r:id="rId3"/>
     <p:sldId id="258" r:id="rId4"/>
   </p:sldIdLst>
   <p:sldSz cx="14630400" cy="8229600"/>
@@ -400,7 +400,7 @@
     </p:spTree>
     <p:extLst>
       <p:ext uri="{BB962C8B-B14F-4D97-AF65-F5344CB8AC3E}">
-        <p14:creationId xmlns:p14="http://schemas.microsoft.com/office/powerpoint/2010/main" val="1024086991"/>
+        <p14:creationId xmlns:p14="http://schemas.microsoft.com/office/powerpoint/2010/main" val="94503261"/>
       </p:ext>
     </p:extLst>
   </p:cSld>
@@ -1117,30 +1117,6 @@
           <a:chExt cx="0" cy="0"/>
         </a:xfrm>
       </p:grpSpPr>
-      <p:pic>
-        <p:nvPicPr>
-          <p:cNvPr id="2" name="Image 0" descr="preencoded.png"/>
-          <p:cNvPicPr>
-            <a:picLocks noChangeAspect="1"/>
-          </p:cNvPicPr>
-          <p:nvPr/>
-        </p:nvPicPr>
-        <p:blipFill>
-          <a:blip r:embed="rId3"/>
-          <a:stretch>
-            <a:fillRect/>
-          </a:stretch>
-        </p:blipFill>
-        <p:spPr>
-          <a:xfrm>
-            <a:off x="9144000" y="0"/>
-            <a:ext cx="5486400" cy="8229600"/>
-          </a:xfrm>
-          <a:prstGeom prst="rect">
-            <a:avLst/>
-          </a:prstGeom>
-        </p:spPr>
-      </p:pic>
       <p:sp>
         <p:nvSpPr>
           <p:cNvPr id="3" name="Text 0"/>
@@ -1302,7 +1278,7 @@
 
 <file path=ppt/slides/slide2.xml><?xml version="1.0" encoding="utf-8"?>
 <p:sld xmlns:a="http://schemas.openxmlformats.org/drawingml/2006/main" xmlns:r="http://schemas.openxmlformats.org/officeDocument/2006/relationships" xmlns:p="http://schemas.openxmlformats.org/presentationml/2006/main">
-  <p:cSld name="Slide 2">
+  <p:cSld>
     <p:spTree>
       <p:nvGrpSpPr>
         <p:cNvPr id="1" name=""/>
@@ -1345,7 +1321,7 @@
               <a:buNone/>
             </a:pPr>
             <a:r>
-              <a:rPr lang="en-US" sz="3200" dirty="0">
+              <a:rPr lang="en-US" sz="3200" dirty="0" smtClean="0">
                 <a:solidFill>
                   <a:srgbClr val="373B48"/>
                 </a:solidFill>
@@ -1353,36 +1329,89 @@
                 <a:ea typeface="Mona Sans Semi Bold" pitchFamily="34" charset="-122"/>
                 <a:cs typeface="Mona Sans Semi Bold" pitchFamily="34" charset="-120"/>
               </a:rPr>
-              <a:t>9주차 일정 계획 및 진행 현황</a:t>
+              <a:t>11</a:t>
+            </a:r>
+            <a:r>
+              <a:rPr lang="en-US" sz="3200" dirty="0" smtClean="0">
+                <a:solidFill>
+                  <a:srgbClr val="373B48"/>
+                </a:solidFill>
+                <a:latin typeface="Mona Sans Semi Bold" pitchFamily="34" charset="0"/>
+                <a:ea typeface="Mona Sans Semi Bold" pitchFamily="34" charset="-122"/>
+                <a:cs typeface="Mona Sans Semi Bold" pitchFamily="34" charset="-120"/>
+              </a:rPr>
+              <a:t>주차 </a:t>
+            </a:r>
+            <a:r>
+              <a:rPr lang="en-US" sz="3200" dirty="0">
+                <a:solidFill>
+                  <a:srgbClr val="373B48"/>
+                </a:solidFill>
+                <a:latin typeface="Mona Sans Semi Bold" pitchFamily="34" charset="0"/>
+                <a:ea typeface="Mona Sans Semi Bold" pitchFamily="34" charset="-122"/>
+                <a:cs typeface="Mona Sans Semi Bold" pitchFamily="34" charset="-120"/>
+              </a:rPr>
+              <a:t>일정 계획 및 </a:t>
+            </a:r>
+            <a:r>
+              <a:rPr lang="en-US" sz="3200" dirty="0" err="1">
+                <a:solidFill>
+                  <a:srgbClr val="373B48"/>
+                </a:solidFill>
+                <a:latin typeface="Mona Sans Semi Bold" pitchFamily="34" charset="0"/>
+                <a:ea typeface="Mona Sans Semi Bold" pitchFamily="34" charset="-122"/>
+                <a:cs typeface="Mona Sans Semi Bold" pitchFamily="34" charset="-120"/>
+              </a:rPr>
+              <a:t>진행</a:t>
+            </a:r>
+            <a:r>
+              <a:rPr lang="en-US" sz="3200" dirty="0">
+                <a:solidFill>
+                  <a:srgbClr val="373B48"/>
+                </a:solidFill>
+                <a:latin typeface="Mona Sans Semi Bold" pitchFamily="34" charset="0"/>
+                <a:ea typeface="Mona Sans Semi Bold" pitchFamily="34" charset="-122"/>
+                <a:cs typeface="Mona Sans Semi Bold" pitchFamily="34" charset="-120"/>
+              </a:rPr>
+              <a:t> </a:t>
+            </a:r>
+            <a:r>
+              <a:rPr lang="en-US" sz="3200" dirty="0" err="1" smtClean="0">
+                <a:solidFill>
+                  <a:srgbClr val="373B48"/>
+                </a:solidFill>
+                <a:latin typeface="Mona Sans Semi Bold" pitchFamily="34" charset="0"/>
+                <a:ea typeface="Mona Sans Semi Bold" pitchFamily="34" charset="-122"/>
+                <a:cs typeface="Mona Sans Semi Bold" pitchFamily="34" charset="-120"/>
+              </a:rPr>
+              <a:t>현황</a:t>
+            </a:r>
+            <a:r>
+              <a:rPr lang="en-US" sz="3200" dirty="0" smtClean="0">
+                <a:solidFill>
+                  <a:srgbClr val="373B48"/>
+                </a:solidFill>
+                <a:latin typeface="Mona Sans Semi Bold" pitchFamily="34" charset="0"/>
+                <a:ea typeface="Mona Sans Semi Bold" pitchFamily="34" charset="-122"/>
+                <a:cs typeface="Mona Sans Semi Bold" pitchFamily="34" charset="-120"/>
+              </a:rPr>
+              <a:t> </a:t>
+            </a:r>
+            <a:r>
+              <a:rPr lang="ko-KR" altLang="en-US" sz="3200" dirty="0" smtClean="0">
+                <a:solidFill>
+                  <a:srgbClr val="373B48"/>
+                </a:solidFill>
+                <a:latin typeface="Mona Sans Semi Bold" pitchFamily="34" charset="0"/>
+                <a:ea typeface="Mona Sans Semi Bold" pitchFamily="34" charset="-122"/>
+                <a:cs typeface="Mona Sans Semi Bold" pitchFamily="34" charset="-120"/>
+              </a:rPr>
+              <a:t>변경</a:t>
             </a:r>
             <a:endParaRPr lang="en-US" sz="3200" dirty="0"/>
           </a:p>
         </p:txBody>
       </p:sp>
-      <p:pic>
-        <p:nvPicPr>
-          <p:cNvPr id="3" name="Image 0" descr="preencoded.png"/>
-          <p:cNvPicPr>
-            <a:picLocks noChangeAspect="1"/>
-          </p:cNvPicPr>
-          <p:nvPr/>
-        </p:nvPicPr>
-        <p:blipFill>
-          <a:blip r:embed="rId3"/>
-          <a:stretch>
-            <a:fillRect/>
-          </a:stretch>
-        </p:blipFill>
-        <p:spPr>
-          <a:xfrm>
-            <a:off x="569357" y="1281232"/>
-            <a:ext cx="9911074" cy="4978891"/>
-          </a:xfrm>
-          <a:prstGeom prst="rect">
-            <a:avLst/>
-          </a:prstGeom>
-        </p:spPr>
-      </p:pic>
       <p:sp>
         <p:nvSpPr>
           <p:cNvPr id="4" name="Text 1"/>
@@ -1702,7 +1731,36 @@
           </a:p>
         </p:txBody>
       </p:sp>
+      <p:pic>
+        <p:nvPicPr>
+          <p:cNvPr id="11" name="그림 10"/>
+          <p:cNvPicPr>
+            <a:picLocks noChangeAspect="1"/>
+          </p:cNvPicPr>
+          <p:nvPr/>
+        </p:nvPicPr>
+        <p:blipFill>
+          <a:blip r:embed="rId3"/>
+          <a:stretch>
+            <a:fillRect/>
+          </a:stretch>
+        </p:blipFill>
+        <p:spPr>
+          <a:xfrm>
+            <a:off x="813916" y="1315576"/>
+            <a:ext cx="12866961" cy="4743580"/>
+          </a:xfrm>
+          <a:prstGeom prst="rect">
+            <a:avLst/>
+          </a:prstGeom>
+        </p:spPr>
+      </p:pic>
     </p:spTree>
+    <p:extLst>
+      <p:ext uri="{BB962C8B-B14F-4D97-AF65-F5344CB8AC3E}">
+        <p14:creationId xmlns:p14="http://schemas.microsoft.com/office/powerpoint/2010/main" val="3077921605"/>
+      </p:ext>
+    </p:extLst>
   </p:cSld>
   <p:clrMapOvr>
     <a:masterClrMapping/>
@@ -1727,30 +1785,6 @@
           <a:chExt cx="0" cy="0"/>
         </a:xfrm>
       </p:grpSpPr>
-      <p:pic>
-        <p:nvPicPr>
-          <p:cNvPr id="2" name="Image 0" descr="preencoded.png"/>
-          <p:cNvPicPr>
-            <a:picLocks noChangeAspect="1"/>
-          </p:cNvPicPr>
-          <p:nvPr/>
-        </p:nvPicPr>
-        <p:blipFill>
-          <a:blip r:embed="rId3"/>
-          <a:stretch>
-            <a:fillRect/>
-          </a:stretch>
-        </p:blipFill>
-        <p:spPr>
-          <a:xfrm>
-            <a:off x="0" y="0"/>
-            <a:ext cx="5486400" cy="8229600"/>
-          </a:xfrm>
-          <a:prstGeom prst="rect">
-            <a:avLst/>
-          </a:prstGeom>
-        </p:spPr>
-      </p:pic>
       <p:sp>
         <p:nvSpPr>
           <p:cNvPr id="3" name="Text 0"/>
@@ -1759,7 +1793,7 @@
         </p:nvSpPr>
         <p:spPr>
           <a:xfrm>
-            <a:off x="6280190" y="1309926"/>
+            <a:off x="974660" y="931605"/>
             <a:ext cx="6232208" cy="708779"/>
           </a:xfrm>
           <a:prstGeom prst="rect">
@@ -1801,7 +1835,7 @@
         </p:nvSpPr>
         <p:spPr>
           <a:xfrm>
-            <a:off x="6280190" y="2358866"/>
+            <a:off x="974660" y="2524780"/>
             <a:ext cx="3664863" cy="2569488"/>
           </a:xfrm>
           <a:prstGeom prst="roundRect">
@@ -1828,7 +1862,7 @@
         </p:nvSpPr>
         <p:spPr>
           <a:xfrm>
-            <a:off x="6514624" y="2593300"/>
+            <a:off x="1209094" y="2759214"/>
             <a:ext cx="2835235" cy="354330"/>
           </a:xfrm>
           <a:prstGeom prst="rect">
@@ -1870,7 +1904,7 @@
         </p:nvSpPr>
         <p:spPr>
           <a:xfrm>
-            <a:off x="6514624" y="3083719"/>
+            <a:off x="1209094" y="3249633"/>
             <a:ext cx="3195995" cy="362903"/>
           </a:xfrm>
           <a:prstGeom prst="rect">
@@ -1913,7 +1947,7 @@
         </p:nvSpPr>
         <p:spPr>
           <a:xfrm>
-            <a:off x="6514624" y="3525917"/>
+            <a:off x="1209094" y="3691831"/>
             <a:ext cx="3195995" cy="725805"/>
           </a:xfrm>
           <a:prstGeom prst="rect">
@@ -1956,7 +1990,7 @@
         </p:nvSpPr>
         <p:spPr>
           <a:xfrm>
-            <a:off x="6514624" y="4331018"/>
+            <a:off x="1209094" y="4496932"/>
             <a:ext cx="3195995" cy="362903"/>
           </a:xfrm>
           <a:prstGeom prst="rect">
@@ -1999,7 +2033,7 @@
         </p:nvSpPr>
         <p:spPr>
           <a:xfrm>
-            <a:off x="10171867" y="2358866"/>
+            <a:off x="4866337" y="2524780"/>
             <a:ext cx="3664863" cy="2569488"/>
           </a:xfrm>
           <a:prstGeom prst="roundRect">
@@ -2026,7 +2060,7 @@
         </p:nvSpPr>
         <p:spPr>
           <a:xfrm>
-            <a:off x="10406301" y="2593300"/>
+            <a:off x="5100771" y="2759214"/>
             <a:ext cx="2835235" cy="354330"/>
           </a:xfrm>
           <a:prstGeom prst="rect">
@@ -2068,7 +2102,7 @@
         </p:nvSpPr>
         <p:spPr>
           <a:xfrm>
-            <a:off x="10406301" y="3083719"/>
+            <a:off x="5100771" y="3249633"/>
             <a:ext cx="3195995" cy="725805"/>
           </a:xfrm>
           <a:prstGeom prst="rect">
@@ -2110,7 +2144,7 @@
         </p:nvSpPr>
         <p:spPr>
           <a:xfrm>
-            <a:off x="6280190" y="5155168"/>
+            <a:off x="974660" y="5321082"/>
             <a:ext cx="7556421" cy="1764387"/>
           </a:xfrm>
           <a:prstGeom prst="roundRect">
@@ -2137,7 +2171,7 @@
         </p:nvSpPr>
         <p:spPr>
           <a:xfrm>
-            <a:off x="6514624" y="5389602"/>
+            <a:off x="1209094" y="5555516"/>
             <a:ext cx="2835235" cy="354330"/>
           </a:xfrm>
           <a:prstGeom prst="rect">
@@ -2179,7 +2213,7 @@
         </p:nvSpPr>
         <p:spPr>
           <a:xfrm>
-            <a:off x="6514624" y="5880021"/>
+            <a:off x="1209094" y="6045935"/>
             <a:ext cx="7087553" cy="362903"/>
           </a:xfrm>
           <a:prstGeom prst="rect">
@@ -2222,7 +2256,7 @@
         </p:nvSpPr>
         <p:spPr>
           <a:xfrm>
-            <a:off x="6514624" y="6322219"/>
+            <a:off x="1209094" y="6488133"/>
             <a:ext cx="7087553" cy="362903"/>
           </a:xfrm>
           <a:prstGeom prst="rect">

--- a/Project_Interview/AI.pptx
+++ b/Project_Interview/AI.pptx
@@ -5,12 +5,14 @@
     <p:sldMasterId id="2147483648" r:id="rId1"/>
   </p:sldMasterIdLst>
   <p:notesMasterIdLst>
-    <p:notesMasterId r:id="rId5"/>
+    <p:notesMasterId r:id="rId7"/>
   </p:notesMasterIdLst>
   <p:sldIdLst>
     <p:sldId id="256" r:id="rId2"/>
     <p:sldId id="259" r:id="rId3"/>
-    <p:sldId id="258" r:id="rId4"/>
+    <p:sldId id="261" r:id="rId4"/>
+    <p:sldId id="260" r:id="rId5"/>
+    <p:sldId id="258" r:id="rId6"/>
   </p:sldIdLst>
   <p:sldSz cx="14630400" cy="8229600"/>
   <p:notesSz cx="8229600" cy="14630400"/>
@@ -484,6 +486,174 @@
     </p:spTree>
     <p:extLst>
       <p:ext uri="{BB962C8B-B14F-4D97-AF65-F5344CB8AC3E}">
+        <p14:creationId xmlns:p14="http://schemas.microsoft.com/office/powerpoint/2010/main" val="2913192675"/>
+      </p:ext>
+    </p:extLst>
+  </p:cSld>
+  <p:clrMapOvr>
+    <a:masterClrMapping/>
+  </p:clrMapOvr>
+</p:notes>
+</file>
+
+<file path=ppt/notesSlides/notesSlide4.xml><?xml version="1.0" encoding="utf-8"?>
+<p:notes xmlns:a="http://schemas.openxmlformats.org/drawingml/2006/main" xmlns:r="http://schemas.openxmlformats.org/officeDocument/2006/relationships" xmlns:p="http://schemas.openxmlformats.org/presentationml/2006/main">
+  <p:cSld>
+    <p:spTree>
+      <p:nvGrpSpPr>
+        <p:cNvPr id="1" name=""/>
+        <p:cNvGrpSpPr/>
+        <p:nvPr/>
+      </p:nvGrpSpPr>
+      <p:grpSpPr>
+        <a:xfrm>
+          <a:off x="0" y="0"/>
+          <a:ext cx="0" cy="0"/>
+          <a:chOff x="0" y="0"/>
+          <a:chExt cx="0" cy="0"/>
+        </a:xfrm>
+      </p:grpSpPr>
+      <p:sp>
+        <p:nvSpPr>
+          <p:cNvPr id="2" name="Slide Image Placeholder 1"/>
+          <p:cNvSpPr>
+            <a:spLocks noGrp="1" noRot="1" noChangeAspect="1"/>
+          </p:cNvSpPr>
+          <p:nvPr>
+            <p:ph type="sldImg"/>
+          </p:nvPr>
+        </p:nvSpPr>
+        <p:spPr/>
+      </p:sp>
+      <p:sp>
+        <p:nvSpPr>
+          <p:cNvPr id="3" name="Notes Placeholder 2"/>
+          <p:cNvSpPr>
+            <a:spLocks noGrp="1"/>
+          </p:cNvSpPr>
+          <p:nvPr>
+            <p:ph type="body" idx="1"/>
+          </p:nvPr>
+        </p:nvSpPr>
+        <p:spPr/>
+        <p:txBody>
+          <a:bodyPr/>
+          <a:lstStyle/>
+          <a:p>
+            <a:endParaRPr lang="en-US" dirty="0"/>
+          </a:p>
+        </p:txBody>
+      </p:sp>
+      <p:sp>
+        <p:nvSpPr>
+          <p:cNvPr id="4" name="Slide Number Placeholder 3"/>
+          <p:cNvSpPr>
+            <a:spLocks noGrp="1"/>
+          </p:cNvSpPr>
+          <p:nvPr>
+            <p:ph type="sldNum" sz="quarter" idx="10"/>
+          </p:nvPr>
+        </p:nvSpPr>
+        <p:spPr/>
+        <p:txBody>
+          <a:bodyPr/>
+          <a:lstStyle/>
+          <a:p>
+            <a:fld id="{F7021451-1387-4CA6-816F-3879F97B5CBC}" type="slidenum">
+              <a:rPr lang="en-US"/>
+              <a:t>4</a:t>
+            </a:fld>
+            <a:endParaRPr lang="en-US"/>
+          </a:p>
+        </p:txBody>
+      </p:sp>
+    </p:spTree>
+    <p:extLst>
+      <p:ext uri="{BB962C8B-B14F-4D97-AF65-F5344CB8AC3E}">
+        <p14:creationId xmlns:p14="http://schemas.microsoft.com/office/powerpoint/2010/main" val="3842230940"/>
+      </p:ext>
+    </p:extLst>
+  </p:cSld>
+  <p:clrMapOvr>
+    <a:masterClrMapping/>
+  </p:clrMapOvr>
+</p:notes>
+</file>
+
+<file path=ppt/notesSlides/notesSlide5.xml><?xml version="1.0" encoding="utf-8"?>
+<p:notes xmlns:a="http://schemas.openxmlformats.org/drawingml/2006/main" xmlns:r="http://schemas.openxmlformats.org/officeDocument/2006/relationships" xmlns:p="http://schemas.openxmlformats.org/presentationml/2006/main">
+  <p:cSld>
+    <p:spTree>
+      <p:nvGrpSpPr>
+        <p:cNvPr id="1" name=""/>
+        <p:cNvGrpSpPr/>
+        <p:nvPr/>
+      </p:nvGrpSpPr>
+      <p:grpSpPr>
+        <a:xfrm>
+          <a:off x="0" y="0"/>
+          <a:ext cx="0" cy="0"/>
+          <a:chOff x="0" y="0"/>
+          <a:chExt cx="0" cy="0"/>
+        </a:xfrm>
+      </p:grpSpPr>
+      <p:sp>
+        <p:nvSpPr>
+          <p:cNvPr id="2" name="Slide Image Placeholder 1"/>
+          <p:cNvSpPr>
+            <a:spLocks noGrp="1" noRot="1" noChangeAspect="1"/>
+          </p:cNvSpPr>
+          <p:nvPr>
+            <p:ph type="sldImg"/>
+          </p:nvPr>
+        </p:nvSpPr>
+        <p:spPr/>
+      </p:sp>
+      <p:sp>
+        <p:nvSpPr>
+          <p:cNvPr id="3" name="Notes Placeholder 2"/>
+          <p:cNvSpPr>
+            <a:spLocks noGrp="1"/>
+          </p:cNvSpPr>
+          <p:nvPr>
+            <p:ph type="body" idx="1"/>
+          </p:nvPr>
+        </p:nvSpPr>
+        <p:spPr/>
+        <p:txBody>
+          <a:bodyPr/>
+          <a:lstStyle/>
+          <a:p>
+            <a:endParaRPr lang="en-US" dirty="0"/>
+          </a:p>
+        </p:txBody>
+      </p:sp>
+      <p:sp>
+        <p:nvSpPr>
+          <p:cNvPr id="4" name="Slide Number Placeholder 3"/>
+          <p:cNvSpPr>
+            <a:spLocks noGrp="1"/>
+          </p:cNvSpPr>
+          <p:nvPr>
+            <p:ph type="sldNum" sz="quarter" idx="10"/>
+          </p:nvPr>
+        </p:nvSpPr>
+        <p:spPr/>
+        <p:txBody>
+          <a:bodyPr/>
+          <a:lstStyle/>
+          <a:p>
+            <a:fld id="{F7021451-1387-4CA6-816F-3879F97B5CBC}" type="slidenum">
+              <a:rPr lang="en-US"/>
+              <a:t>5</a:t>
+            </a:fld>
+            <a:endParaRPr lang="en-US"/>
+          </a:p>
+        </p:txBody>
+      </p:sp>
+    </p:spTree>
+    <p:extLst>
+      <p:ext uri="{BB962C8B-B14F-4D97-AF65-F5344CB8AC3E}">
         <p14:creationId xmlns:p14="http://schemas.microsoft.com/office/powerpoint/2010/main" val="1024086991"/>
       </p:ext>
     </p:extLst>
@@ -1321,6 +1491,100 @@
               <a:buNone/>
             </a:pPr>
             <a:r>
+              <a:rPr lang="ko-KR" altLang="en-US" sz="3200" dirty="0" smtClean="0">
+                <a:solidFill>
+                  <a:srgbClr val="373B48"/>
+                </a:solidFill>
+                <a:latin typeface="Mona Sans Semi Bold" pitchFamily="34" charset="0"/>
+              </a:rPr>
+              <a:t>요구사항 정의서</a:t>
+            </a:r>
+            <a:endParaRPr lang="en-US" sz="3200" dirty="0"/>
+          </a:p>
+        </p:txBody>
+      </p:sp>
+      <p:pic>
+        <p:nvPicPr>
+          <p:cNvPr id="12" name="그림 11"/>
+          <p:cNvPicPr>
+            <a:picLocks noChangeAspect="1"/>
+          </p:cNvPicPr>
+          <p:nvPr/>
+        </p:nvPicPr>
+        <p:blipFill>
+          <a:blip r:embed="rId3"/>
+          <a:stretch>
+            <a:fillRect/>
+          </a:stretch>
+        </p:blipFill>
+        <p:spPr>
+          <a:xfrm>
+            <a:off x="823965" y="1995324"/>
+            <a:ext cx="12148457" cy="5344271"/>
+          </a:xfrm>
+          <a:prstGeom prst="rect">
+            <a:avLst/>
+          </a:prstGeom>
+        </p:spPr>
+      </p:pic>
+    </p:spTree>
+    <p:extLst>
+      <p:ext uri="{BB962C8B-B14F-4D97-AF65-F5344CB8AC3E}">
+        <p14:creationId xmlns:p14="http://schemas.microsoft.com/office/powerpoint/2010/main" val="3077921605"/>
+      </p:ext>
+    </p:extLst>
+  </p:cSld>
+  <p:clrMapOvr>
+    <a:masterClrMapping/>
+  </p:clrMapOvr>
+</p:sld>
+</file>
+
+<file path=ppt/slides/slide3.xml><?xml version="1.0" encoding="utf-8"?>
+<p:sld xmlns:a="http://schemas.openxmlformats.org/drawingml/2006/main" xmlns:r="http://schemas.openxmlformats.org/officeDocument/2006/relationships" xmlns:p="http://schemas.openxmlformats.org/presentationml/2006/main">
+  <p:cSld>
+    <p:spTree>
+      <p:nvGrpSpPr>
+        <p:cNvPr id="1" name=""/>
+        <p:cNvGrpSpPr/>
+        <p:nvPr/>
+      </p:nvGrpSpPr>
+      <p:grpSpPr>
+        <a:xfrm>
+          <a:off x="0" y="0"/>
+          <a:ext cx="0" cy="0"/>
+          <a:chOff x="0" y="0"/>
+          <a:chExt cx="0" cy="0"/>
+        </a:xfrm>
+      </p:grpSpPr>
+      <p:sp>
+        <p:nvSpPr>
+          <p:cNvPr id="2" name="Text 0"/>
+          <p:cNvSpPr/>
+          <p:nvPr/>
+        </p:nvSpPr>
+        <p:spPr>
+          <a:xfrm>
+            <a:off x="569357" y="447437"/>
+            <a:ext cx="4812387" cy="508397"/>
+          </a:xfrm>
+          <a:prstGeom prst="rect">
+            <a:avLst/>
+          </a:prstGeom>
+          <a:noFill/>
+          <a:ln/>
+        </p:spPr>
+        <p:txBody>
+          <a:bodyPr wrap="none" lIns="0" tIns="0" rIns="0" bIns="0" rtlCol="0" anchor="t"/>
+          <a:lstStyle/>
+          <a:p>
+            <a:pPr marL="0" indent="0" algn="l">
+              <a:lnSpc>
+                <a:spcPts val="4000"/>
+              </a:lnSpc>
+              <a:buNone/>
+            </a:pPr>
+            <a:r>
               <a:rPr lang="en-US" sz="3200" dirty="0" smtClean="0">
                 <a:solidFill>
                   <a:srgbClr val="373B48"/>
@@ -1343,7 +1607,7 @@
               <a:t>주차 </a:t>
             </a:r>
             <a:r>
-              <a:rPr lang="en-US" sz="3200" dirty="0">
+              <a:rPr lang="en-US" sz="3200" dirty="0" err="1" smtClean="0">
                 <a:solidFill>
                   <a:srgbClr val="373B48"/>
                 </a:solidFill>
@@ -1351,10 +1615,43 @@
                 <a:ea typeface="Mona Sans Semi Bold" pitchFamily="34" charset="-122"/>
                 <a:cs typeface="Mona Sans Semi Bold" pitchFamily="34" charset="-120"/>
               </a:rPr>
-              <a:t>일정 계획 및 </a:t>
+              <a:t>일정</a:t>
             </a:r>
             <a:r>
-              <a:rPr lang="en-US" sz="3200" dirty="0" err="1">
+              <a:rPr lang="en-US" sz="3200" dirty="0" smtClean="0">
+                <a:solidFill>
+                  <a:srgbClr val="373B48"/>
+                </a:solidFill>
+                <a:latin typeface="Mona Sans Semi Bold" pitchFamily="34" charset="0"/>
+                <a:ea typeface="Mona Sans Semi Bold" pitchFamily="34" charset="-122"/>
+                <a:cs typeface="Mona Sans Semi Bold" pitchFamily="34" charset="-120"/>
+              </a:rPr>
+              <a:t> </a:t>
+            </a:r>
+            <a:r>
+              <a:rPr lang="en-US" sz="3200" dirty="0" err="1" smtClean="0">
+                <a:solidFill>
+                  <a:srgbClr val="373B48"/>
+                </a:solidFill>
+                <a:latin typeface="Mona Sans Semi Bold" pitchFamily="34" charset="0"/>
+                <a:ea typeface="Mona Sans Semi Bold" pitchFamily="34" charset="-122"/>
+                <a:cs typeface="Mona Sans Semi Bold" pitchFamily="34" charset="-120"/>
+              </a:rPr>
+              <a:t>계획</a:t>
+            </a:r>
+            <a:r>
+              <a:rPr lang="en-US" sz="3200" dirty="0" smtClean="0">
+                <a:solidFill>
+                  <a:srgbClr val="373B48"/>
+                </a:solidFill>
+                <a:latin typeface="Mona Sans Semi Bold" pitchFamily="34" charset="0"/>
+                <a:ea typeface="Mona Sans Semi Bold" pitchFamily="34" charset="-122"/>
+                <a:cs typeface="Mona Sans Semi Bold" pitchFamily="34" charset="-120"/>
+              </a:rPr>
+              <a:t> 및 </a:t>
+            </a:r>
+            <a:r>
+              <a:rPr lang="en-US" sz="3200" dirty="0" err="1" smtClean="0">
                 <a:solidFill>
                   <a:srgbClr val="373B48"/>
                 </a:solidFill>
@@ -1365,7 +1662,7 @@
               <a:t>진행</a:t>
             </a:r>
             <a:r>
-              <a:rPr lang="en-US" sz="3200" dirty="0">
+              <a:rPr lang="en-US" sz="3200" dirty="0" smtClean="0">
                 <a:solidFill>
                   <a:srgbClr val="373B48"/>
                 </a:solidFill>
@@ -1386,8 +1683,126 @@
               </a:rPr>
               <a:t>현황</a:t>
             </a:r>
+            <a:endParaRPr lang="en-US" sz="3200" dirty="0"/>
+          </a:p>
+        </p:txBody>
+      </p:sp>
+      <p:pic>
+        <p:nvPicPr>
+          <p:cNvPr id="11" name="그림 10"/>
+          <p:cNvPicPr>
+            <a:picLocks noChangeAspect="1"/>
+          </p:cNvPicPr>
+          <p:nvPr/>
+        </p:nvPicPr>
+        <p:blipFill>
+          <a:blip r:embed="rId3"/>
+          <a:stretch>
+            <a:fillRect/>
+          </a:stretch>
+        </p:blipFill>
+        <p:spPr>
+          <a:xfrm>
+            <a:off x="1045029" y="1416058"/>
+            <a:ext cx="11213961" cy="5517303"/>
+          </a:xfrm>
+          <a:prstGeom prst="rect">
+            <a:avLst/>
+          </a:prstGeom>
+        </p:spPr>
+      </p:pic>
+    </p:spTree>
+    <p:extLst>
+      <p:ext uri="{BB962C8B-B14F-4D97-AF65-F5344CB8AC3E}">
+        <p14:creationId xmlns:p14="http://schemas.microsoft.com/office/powerpoint/2010/main" val="1426353719"/>
+      </p:ext>
+    </p:extLst>
+  </p:cSld>
+  <p:clrMapOvr>
+    <a:masterClrMapping/>
+  </p:clrMapOvr>
+</p:sld>
+</file>
+
+<file path=ppt/slides/slide4.xml><?xml version="1.0" encoding="utf-8"?>
+<p:sld xmlns:a="http://schemas.openxmlformats.org/drawingml/2006/main" xmlns:r="http://schemas.openxmlformats.org/officeDocument/2006/relationships" xmlns:p="http://schemas.openxmlformats.org/presentationml/2006/main">
+  <p:cSld>
+    <p:spTree>
+      <p:nvGrpSpPr>
+        <p:cNvPr id="1" name=""/>
+        <p:cNvGrpSpPr/>
+        <p:nvPr/>
+      </p:nvGrpSpPr>
+      <p:grpSpPr>
+        <a:xfrm>
+          <a:off x="0" y="0"/>
+          <a:ext cx="0" cy="0"/>
+          <a:chOff x="0" y="0"/>
+          <a:chExt cx="0" cy="0"/>
+        </a:xfrm>
+      </p:grpSpPr>
+      <p:sp>
+        <p:nvSpPr>
+          <p:cNvPr id="2" name="Text 0"/>
+          <p:cNvSpPr/>
+          <p:nvPr/>
+        </p:nvSpPr>
+        <p:spPr>
+          <a:xfrm>
+            <a:off x="569357" y="447437"/>
+            <a:ext cx="4812387" cy="508397"/>
+          </a:xfrm>
+          <a:prstGeom prst="rect">
+            <a:avLst/>
+          </a:prstGeom>
+          <a:noFill/>
+          <a:ln/>
+        </p:spPr>
+        <p:txBody>
+          <a:bodyPr wrap="none" lIns="0" tIns="0" rIns="0" bIns="0" rtlCol="0" anchor="t"/>
+          <a:lstStyle/>
+          <a:p>
+            <a:pPr marL="0" indent="0" algn="l">
+              <a:lnSpc>
+                <a:spcPts val="4000"/>
+              </a:lnSpc>
+              <a:buNone/>
+            </a:pPr>
             <a:r>
               <a:rPr lang="en-US" sz="3200" dirty="0" smtClean="0">
+                <a:solidFill>
+                  <a:srgbClr val="373B48"/>
+                </a:solidFill>
+                <a:latin typeface="Mona Sans Semi Bold" pitchFamily="34" charset="0"/>
+                <a:ea typeface="Mona Sans Semi Bold" pitchFamily="34" charset="-122"/>
+                <a:cs typeface="Mona Sans Semi Bold" pitchFamily="34" charset="-120"/>
+              </a:rPr>
+              <a:t>11</a:t>
+            </a:r>
+            <a:r>
+              <a:rPr lang="en-US" sz="3200" dirty="0" smtClean="0">
+                <a:solidFill>
+                  <a:srgbClr val="373B48"/>
+                </a:solidFill>
+                <a:latin typeface="Mona Sans Semi Bold" pitchFamily="34" charset="0"/>
+                <a:ea typeface="Mona Sans Semi Bold" pitchFamily="34" charset="-122"/>
+                <a:cs typeface="Mona Sans Semi Bold" pitchFamily="34" charset="-120"/>
+              </a:rPr>
+              <a:t>주차 </a:t>
+            </a:r>
+            <a:r>
+              <a:rPr lang="ko-KR" altLang="en-US" sz="3200" dirty="0" err="1" smtClean="0">
+                <a:solidFill>
+                  <a:srgbClr val="373B48"/>
+                </a:solidFill>
+                <a:latin typeface="Mona Sans Semi Bold" pitchFamily="34" charset="0"/>
+                <a:ea typeface="Mona Sans Semi Bold" pitchFamily="34" charset="-122"/>
+                <a:cs typeface="Mona Sans Semi Bold" pitchFamily="34" charset="-120"/>
+              </a:rPr>
+              <a:t>일정별</a:t>
+            </a:r>
+            <a:r>
+              <a:rPr lang="ko-KR" altLang="en-US" sz="3200" dirty="0" smtClean="0">
                 <a:solidFill>
                   <a:srgbClr val="373B48"/>
                 </a:solidFill>
@@ -1398,7 +1813,7 @@
               <a:t> </a:t>
             </a:r>
             <a:r>
-              <a:rPr lang="ko-KR" altLang="en-US" sz="3200" dirty="0" smtClean="0">
+              <a:rPr lang="ko-KR" altLang="en-US" sz="3200" dirty="0" err="1" smtClean="0">
                 <a:solidFill>
                   <a:srgbClr val="373B48"/>
                 </a:solidFill>
@@ -1406,359 +1821,16 @@
                 <a:ea typeface="Mona Sans Semi Bold" pitchFamily="34" charset="-122"/>
                 <a:cs typeface="Mona Sans Semi Bold" pitchFamily="34" charset="-120"/>
               </a:rPr>
-              <a:t>변경</a:t>
+              <a:t>진척률</a:t>
             </a:r>
             <a:endParaRPr lang="en-US" sz="3200" dirty="0"/>
           </a:p>
         </p:txBody>
       </p:sp>
-      <p:sp>
-        <p:nvSpPr>
-          <p:cNvPr id="4" name="Text 1"/>
-          <p:cNvSpPr/>
-          <p:nvPr/>
-        </p:nvSpPr>
-        <p:spPr>
-          <a:xfrm>
-            <a:off x="1895740" y="6589372"/>
-            <a:ext cx="2033707" cy="254198"/>
-          </a:xfrm>
-          <a:prstGeom prst="rect">
-            <a:avLst/>
-          </a:prstGeom>
-          <a:noFill/>
-          <a:ln/>
-        </p:spPr>
-        <p:txBody>
-          <a:bodyPr wrap="none" lIns="0" tIns="0" rIns="0" bIns="0" rtlCol="0" anchor="t"/>
-          <a:lstStyle/>
-          <a:p>
-            <a:pPr marL="0" indent="0" algn="l">
-              <a:lnSpc>
-                <a:spcPts val="2000"/>
-              </a:lnSpc>
-              <a:buNone/>
-            </a:pPr>
-            <a:r>
-              <a:rPr lang="en-US" sz="1600" dirty="0">
-                <a:solidFill>
-                  <a:srgbClr val="373B48"/>
-                </a:solidFill>
-                <a:latin typeface="Mona Sans Semi Bold" pitchFamily="34" charset="0"/>
-                <a:ea typeface="Mona Sans Semi Bold" pitchFamily="34" charset="-122"/>
-                <a:cs typeface="Mona Sans Semi Bold" pitchFamily="34" charset="-120"/>
-              </a:rPr>
-              <a:t>주요 일정</a:t>
-            </a:r>
-            <a:endParaRPr lang="en-US" sz="1600" dirty="0"/>
-          </a:p>
-        </p:txBody>
-      </p:sp>
-      <p:sp>
-        <p:nvSpPr>
-          <p:cNvPr id="5" name="Text 2"/>
-          <p:cNvSpPr/>
-          <p:nvPr/>
-        </p:nvSpPr>
-        <p:spPr>
-          <a:xfrm>
-            <a:off x="1895740" y="7006210"/>
-            <a:ext cx="6547366" cy="260390"/>
-          </a:xfrm>
-          <a:prstGeom prst="rect">
-            <a:avLst/>
-          </a:prstGeom>
-          <a:noFill/>
-          <a:ln/>
-        </p:spPr>
-        <p:txBody>
-          <a:bodyPr wrap="none" lIns="0" tIns="0" rIns="0" bIns="0" rtlCol="0" anchor="t"/>
-          <a:lstStyle/>
-          <a:p>
-            <a:pPr marL="342900" indent="-342900" algn="l">
-              <a:lnSpc>
-                <a:spcPts val="2000"/>
-              </a:lnSpc>
-              <a:buSzPct val="100000"/>
-              <a:buChar char="•"/>
-            </a:pPr>
-            <a:r>
-              <a:rPr lang="en-US" sz="1250" dirty="0" err="1" smtClean="0">
-                <a:solidFill>
-                  <a:srgbClr val="52586B"/>
-                </a:solidFill>
-                <a:latin typeface="Funnel Sans" pitchFamily="34" charset="0"/>
-                <a:ea typeface="Funnel Sans" pitchFamily="34" charset="-122"/>
-                <a:cs typeface="Funnel Sans" pitchFamily="34" charset="-120"/>
-              </a:rPr>
-              <a:t>개발</a:t>
-            </a:r>
-            <a:r>
-              <a:rPr lang="en-US" sz="1250" dirty="0" smtClean="0">
-                <a:solidFill>
-                  <a:srgbClr val="52586B"/>
-                </a:solidFill>
-                <a:latin typeface="Funnel Sans" pitchFamily="34" charset="0"/>
-                <a:ea typeface="Funnel Sans" pitchFamily="34" charset="-122"/>
-                <a:cs typeface="Funnel Sans" pitchFamily="34" charset="-120"/>
-              </a:rPr>
-              <a:t> </a:t>
-            </a:r>
-            <a:r>
-              <a:rPr lang="en-US" sz="1250" dirty="0">
-                <a:solidFill>
-                  <a:srgbClr val="52586B"/>
-                </a:solidFill>
-                <a:latin typeface="Funnel Sans" pitchFamily="34" charset="0"/>
-                <a:ea typeface="Funnel Sans" pitchFamily="34" charset="-122"/>
-                <a:cs typeface="Funnel Sans" pitchFamily="34" charset="-120"/>
-              </a:rPr>
-              <a:t>중간 점검</a:t>
-            </a:r>
-            <a:endParaRPr lang="en-US" sz="1250" dirty="0"/>
-          </a:p>
-        </p:txBody>
-      </p:sp>
-      <p:sp>
-        <p:nvSpPr>
-          <p:cNvPr id="6" name="Text 3"/>
-          <p:cNvSpPr/>
-          <p:nvPr/>
-        </p:nvSpPr>
-        <p:spPr>
-          <a:xfrm>
-            <a:off x="1895740" y="7323511"/>
-            <a:ext cx="6547366" cy="260390"/>
-          </a:xfrm>
-          <a:prstGeom prst="rect">
-            <a:avLst/>
-          </a:prstGeom>
-          <a:noFill/>
-          <a:ln/>
-        </p:spPr>
-        <p:txBody>
-          <a:bodyPr wrap="none" lIns="0" tIns="0" rIns="0" bIns="0" rtlCol="0" anchor="t"/>
-          <a:lstStyle/>
-          <a:p>
-            <a:pPr marL="342900" indent="-342900" algn="l">
-              <a:lnSpc>
-                <a:spcPts val="2000"/>
-              </a:lnSpc>
-              <a:buSzPct val="100000"/>
-              <a:buChar char="•"/>
-            </a:pPr>
-            <a:r>
-              <a:rPr lang="en-US" sz="1250" dirty="0">
-                <a:solidFill>
-                  <a:srgbClr val="52586B"/>
-                </a:solidFill>
-                <a:latin typeface="Funnel Sans" pitchFamily="34" charset="0"/>
-                <a:ea typeface="Funnel Sans" pitchFamily="34" charset="-122"/>
-                <a:cs typeface="Funnel Sans" pitchFamily="34" charset="-120"/>
-              </a:rPr>
-              <a:t>기능 테스트 및 버그 수정 강화</a:t>
-            </a:r>
-            <a:endParaRPr lang="en-US" sz="1250" dirty="0"/>
-          </a:p>
-        </p:txBody>
-      </p:sp>
-      <p:sp>
-        <p:nvSpPr>
-          <p:cNvPr id="7" name="Text 4"/>
-          <p:cNvSpPr/>
-          <p:nvPr/>
-        </p:nvSpPr>
-        <p:spPr>
-          <a:xfrm>
-            <a:off x="1895740" y="7640813"/>
-            <a:ext cx="6547366" cy="260390"/>
-          </a:xfrm>
-          <a:prstGeom prst="rect">
-            <a:avLst/>
-          </a:prstGeom>
-          <a:noFill/>
-          <a:ln/>
-        </p:spPr>
-        <p:txBody>
-          <a:bodyPr wrap="none" lIns="0" tIns="0" rIns="0" bIns="0" rtlCol="0" anchor="t"/>
-          <a:lstStyle/>
-          <a:p>
-            <a:pPr marL="342900" indent="-342900" algn="l">
-              <a:lnSpc>
-                <a:spcPts val="2000"/>
-              </a:lnSpc>
-              <a:buSzPct val="100000"/>
-              <a:buChar char="•"/>
-            </a:pPr>
-            <a:r>
-              <a:rPr lang="en-US" sz="1250" dirty="0">
-                <a:solidFill>
-                  <a:srgbClr val="52586B"/>
-                </a:solidFill>
-                <a:latin typeface="Funnel Sans" pitchFamily="34" charset="0"/>
-                <a:ea typeface="Funnel Sans" pitchFamily="34" charset="-122"/>
-                <a:cs typeface="Funnel Sans" pitchFamily="34" charset="-120"/>
-              </a:rPr>
-              <a:t>AI 피드백 알고리즘 최적화</a:t>
-            </a:r>
-            <a:endParaRPr lang="en-US" sz="1250" dirty="0"/>
-          </a:p>
-        </p:txBody>
-      </p:sp>
-      <p:sp>
-        <p:nvSpPr>
-          <p:cNvPr id="8" name="Text 5"/>
-          <p:cNvSpPr/>
-          <p:nvPr/>
-        </p:nvSpPr>
-        <p:spPr>
-          <a:xfrm>
-            <a:off x="7340426" y="6589372"/>
-            <a:ext cx="2033707" cy="254198"/>
-          </a:xfrm>
-          <a:prstGeom prst="rect">
-            <a:avLst/>
-          </a:prstGeom>
-          <a:noFill/>
-          <a:ln/>
-        </p:spPr>
-        <p:txBody>
-          <a:bodyPr wrap="none" lIns="0" tIns="0" rIns="0" bIns="0" rtlCol="0" anchor="t"/>
-          <a:lstStyle/>
-          <a:p>
-            <a:pPr marL="0" indent="0" algn="l">
-              <a:lnSpc>
-                <a:spcPts val="2000"/>
-              </a:lnSpc>
-              <a:buNone/>
-            </a:pPr>
-            <a:r>
-              <a:rPr lang="en-US" sz="1600" dirty="0">
-                <a:solidFill>
-                  <a:srgbClr val="373B48"/>
-                </a:solidFill>
-                <a:latin typeface="Mona Sans Semi Bold" pitchFamily="34" charset="0"/>
-                <a:ea typeface="Mona Sans Semi Bold" pitchFamily="34" charset="-122"/>
-                <a:cs typeface="Mona Sans Semi Bold" pitchFamily="34" charset="-120"/>
-              </a:rPr>
-              <a:t>목표</a:t>
-            </a:r>
-            <a:endParaRPr lang="en-US" sz="1600" dirty="0"/>
-          </a:p>
-        </p:txBody>
-      </p:sp>
-      <p:sp>
-        <p:nvSpPr>
-          <p:cNvPr id="9" name="Text 6"/>
-          <p:cNvSpPr/>
-          <p:nvPr/>
-        </p:nvSpPr>
-        <p:spPr>
-          <a:xfrm>
-            <a:off x="7340426" y="7006210"/>
-            <a:ext cx="6547366" cy="260390"/>
-          </a:xfrm>
-          <a:prstGeom prst="rect">
-            <a:avLst/>
-          </a:prstGeom>
-          <a:noFill/>
-          <a:ln/>
-        </p:spPr>
-        <p:txBody>
-          <a:bodyPr wrap="none" lIns="0" tIns="0" rIns="0" bIns="0" rtlCol="0" anchor="t"/>
-          <a:lstStyle/>
-          <a:p>
-            <a:pPr marL="0" indent="0" algn="l">
-              <a:lnSpc>
-                <a:spcPts val="2000"/>
-              </a:lnSpc>
-              <a:buNone/>
-            </a:pPr>
-            <a:r>
-              <a:rPr lang="en-US" sz="1250" dirty="0">
-                <a:solidFill>
-                  <a:srgbClr val="52586B"/>
-                </a:solidFill>
-                <a:latin typeface="Funnel Sans" pitchFamily="34" charset="0"/>
-                <a:ea typeface="Funnel Sans" pitchFamily="34" charset="-122"/>
-                <a:cs typeface="Funnel Sans" pitchFamily="34" charset="-120"/>
-              </a:rPr>
-              <a:t>완성도 높은 인터랙티브 모의면접 기능 구현</a:t>
-            </a:r>
-            <a:endParaRPr lang="en-US" sz="1250" dirty="0"/>
-          </a:p>
-        </p:txBody>
-      </p:sp>
-      <p:sp>
-        <p:nvSpPr>
-          <p:cNvPr id="10" name="Text 7"/>
-          <p:cNvSpPr/>
-          <p:nvPr/>
-        </p:nvSpPr>
-        <p:spPr>
-          <a:xfrm>
-            <a:off x="7340426" y="7412927"/>
-            <a:ext cx="6547366" cy="260390"/>
-          </a:xfrm>
-          <a:prstGeom prst="rect">
-            <a:avLst/>
-          </a:prstGeom>
-          <a:noFill/>
-          <a:ln/>
-        </p:spPr>
-        <p:txBody>
-          <a:bodyPr wrap="none" lIns="0" tIns="0" rIns="0" bIns="0" rtlCol="0" anchor="t"/>
-          <a:lstStyle/>
-          <a:p>
-            <a:pPr marL="0" indent="0" algn="l">
-              <a:lnSpc>
-                <a:spcPts val="2000"/>
-              </a:lnSpc>
-              <a:buNone/>
-            </a:pPr>
-            <a:r>
-              <a:rPr lang="en-US" sz="1250" dirty="0">
-                <a:solidFill>
-                  <a:srgbClr val="52586B"/>
-                </a:solidFill>
-                <a:latin typeface="Funnel Sans" pitchFamily="34" charset="0"/>
-                <a:ea typeface="Funnel Sans" pitchFamily="34" charset="-122"/>
-                <a:cs typeface="Funnel Sans" pitchFamily="34" charset="-120"/>
-              </a:rPr>
-              <a:t>사용자 만족도 향상을 위한 UI/UX 개선</a:t>
-            </a:r>
-            <a:endParaRPr lang="en-US" sz="1250" dirty="0"/>
-          </a:p>
-        </p:txBody>
-      </p:sp>
-      <p:pic>
-        <p:nvPicPr>
-          <p:cNvPr id="11" name="그림 10"/>
-          <p:cNvPicPr>
-            <a:picLocks noChangeAspect="1"/>
-          </p:cNvPicPr>
-          <p:nvPr/>
-        </p:nvPicPr>
-        <p:blipFill>
-          <a:blip r:embed="rId3"/>
-          <a:stretch>
-            <a:fillRect/>
-          </a:stretch>
-        </p:blipFill>
-        <p:spPr>
-          <a:xfrm>
-            <a:off x="813916" y="1315576"/>
-            <a:ext cx="12866961" cy="4743580"/>
-          </a:xfrm>
-          <a:prstGeom prst="rect">
-            <a:avLst/>
-          </a:prstGeom>
-        </p:spPr>
-      </p:pic>
     </p:spTree>
     <p:extLst>
       <p:ext uri="{BB962C8B-B14F-4D97-AF65-F5344CB8AC3E}">
-        <p14:creationId xmlns:p14="http://schemas.microsoft.com/office/powerpoint/2010/main" val="3077921605"/>
+        <p14:creationId xmlns:p14="http://schemas.microsoft.com/office/powerpoint/2010/main" val="1175121747"/>
       </p:ext>
     </p:extLst>
   </p:cSld>
@@ -1768,7 +1840,7 @@
 </p:sld>
 </file>
 
-<file path=ppt/slides/slide3.xml><?xml version="1.0" encoding="utf-8"?>
+<file path=ppt/slides/slide5.xml><?xml version="1.0" encoding="utf-8"?>
 <p:sld xmlns:a="http://schemas.openxmlformats.org/drawingml/2006/main" xmlns:r="http://schemas.openxmlformats.org/officeDocument/2006/relationships" xmlns:p="http://schemas.openxmlformats.org/presentationml/2006/main">
   <p:cSld name="Slide 3">
     <p:spTree>

--- a/Project_Interview/AI.pptx
+++ b/Project_Interview/AI.pptx
@@ -10,9 +10,9 @@
   <p:sldIdLst>
     <p:sldId id="256" r:id="rId2"/>
     <p:sldId id="259" r:id="rId3"/>
-    <p:sldId id="261" r:id="rId4"/>
-    <p:sldId id="260" r:id="rId5"/>
-    <p:sldId id="258" r:id="rId6"/>
+    <p:sldId id="258" r:id="rId4"/>
+    <p:sldId id="261" r:id="rId5"/>
+    <p:sldId id="260" r:id="rId6"/>
   </p:sldIdLst>
   <p:sldSz cx="14630400" cy="8229600"/>
   <p:notesSz cx="8229600" cy="14630400"/>
@@ -486,7 +486,7 @@
     </p:spTree>
     <p:extLst>
       <p:ext uri="{BB962C8B-B14F-4D97-AF65-F5344CB8AC3E}">
-        <p14:creationId xmlns:p14="http://schemas.microsoft.com/office/powerpoint/2010/main" val="2913192675"/>
+        <p14:creationId xmlns:p14="http://schemas.microsoft.com/office/powerpoint/2010/main" val="1024086991"/>
       </p:ext>
     </p:extLst>
   </p:cSld>
@@ -570,7 +570,7 @@
     </p:spTree>
     <p:extLst>
       <p:ext uri="{BB962C8B-B14F-4D97-AF65-F5344CB8AC3E}">
-        <p14:creationId xmlns:p14="http://schemas.microsoft.com/office/powerpoint/2010/main" val="3842230940"/>
+        <p14:creationId xmlns:p14="http://schemas.microsoft.com/office/powerpoint/2010/main" val="2913192675"/>
       </p:ext>
     </p:extLst>
   </p:cSld>
@@ -654,7 +654,7 @@
     </p:spTree>
     <p:extLst>
       <p:ext uri="{BB962C8B-B14F-4D97-AF65-F5344CB8AC3E}">
-        <p14:creationId xmlns:p14="http://schemas.microsoft.com/office/powerpoint/2010/main" val="1024086991"/>
+        <p14:creationId xmlns:p14="http://schemas.microsoft.com/office/powerpoint/2010/main" val="3842230940"/>
       </p:ext>
     </p:extLst>
   </p:cSld>
@@ -1491,7 +1491,7 @@
               <a:buNone/>
             </a:pPr>
             <a:r>
-              <a:rPr lang="ko-KR" altLang="en-US" sz="3200" dirty="0" smtClean="0">
+              <a:rPr lang="ko-KR" altLang="en-US" sz="3200" dirty="0">
                 <a:solidFill>
                   <a:srgbClr val="373B48"/>
                 </a:solidFill>
@@ -1541,306 +1541,6 @@
 </file>
 
 <file path=ppt/slides/slide3.xml><?xml version="1.0" encoding="utf-8"?>
-<p:sld xmlns:a="http://schemas.openxmlformats.org/drawingml/2006/main" xmlns:r="http://schemas.openxmlformats.org/officeDocument/2006/relationships" xmlns:p="http://schemas.openxmlformats.org/presentationml/2006/main">
-  <p:cSld>
-    <p:spTree>
-      <p:nvGrpSpPr>
-        <p:cNvPr id="1" name=""/>
-        <p:cNvGrpSpPr/>
-        <p:nvPr/>
-      </p:nvGrpSpPr>
-      <p:grpSpPr>
-        <a:xfrm>
-          <a:off x="0" y="0"/>
-          <a:ext cx="0" cy="0"/>
-          <a:chOff x="0" y="0"/>
-          <a:chExt cx="0" cy="0"/>
-        </a:xfrm>
-      </p:grpSpPr>
-      <p:sp>
-        <p:nvSpPr>
-          <p:cNvPr id="2" name="Text 0"/>
-          <p:cNvSpPr/>
-          <p:nvPr/>
-        </p:nvSpPr>
-        <p:spPr>
-          <a:xfrm>
-            <a:off x="569357" y="447437"/>
-            <a:ext cx="4812387" cy="508397"/>
-          </a:xfrm>
-          <a:prstGeom prst="rect">
-            <a:avLst/>
-          </a:prstGeom>
-          <a:noFill/>
-          <a:ln/>
-        </p:spPr>
-        <p:txBody>
-          <a:bodyPr wrap="none" lIns="0" tIns="0" rIns="0" bIns="0" rtlCol="0" anchor="t"/>
-          <a:lstStyle/>
-          <a:p>
-            <a:pPr marL="0" indent="0" algn="l">
-              <a:lnSpc>
-                <a:spcPts val="4000"/>
-              </a:lnSpc>
-              <a:buNone/>
-            </a:pPr>
-            <a:r>
-              <a:rPr lang="en-US" sz="3200" dirty="0" smtClean="0">
-                <a:solidFill>
-                  <a:srgbClr val="373B48"/>
-                </a:solidFill>
-                <a:latin typeface="Mona Sans Semi Bold" pitchFamily="34" charset="0"/>
-                <a:ea typeface="Mona Sans Semi Bold" pitchFamily="34" charset="-122"/>
-                <a:cs typeface="Mona Sans Semi Bold" pitchFamily="34" charset="-120"/>
-              </a:rPr>
-              <a:t>11</a:t>
-            </a:r>
-            <a:r>
-              <a:rPr lang="en-US" sz="3200" dirty="0" smtClean="0">
-                <a:solidFill>
-                  <a:srgbClr val="373B48"/>
-                </a:solidFill>
-                <a:latin typeface="Mona Sans Semi Bold" pitchFamily="34" charset="0"/>
-                <a:ea typeface="Mona Sans Semi Bold" pitchFamily="34" charset="-122"/>
-                <a:cs typeface="Mona Sans Semi Bold" pitchFamily="34" charset="-120"/>
-              </a:rPr>
-              <a:t>주차 </a:t>
-            </a:r>
-            <a:r>
-              <a:rPr lang="en-US" sz="3200" dirty="0" err="1" smtClean="0">
-                <a:solidFill>
-                  <a:srgbClr val="373B48"/>
-                </a:solidFill>
-                <a:latin typeface="Mona Sans Semi Bold" pitchFamily="34" charset="0"/>
-                <a:ea typeface="Mona Sans Semi Bold" pitchFamily="34" charset="-122"/>
-                <a:cs typeface="Mona Sans Semi Bold" pitchFamily="34" charset="-120"/>
-              </a:rPr>
-              <a:t>일정</a:t>
-            </a:r>
-            <a:r>
-              <a:rPr lang="en-US" sz="3200" dirty="0" smtClean="0">
-                <a:solidFill>
-                  <a:srgbClr val="373B48"/>
-                </a:solidFill>
-                <a:latin typeface="Mona Sans Semi Bold" pitchFamily="34" charset="0"/>
-                <a:ea typeface="Mona Sans Semi Bold" pitchFamily="34" charset="-122"/>
-                <a:cs typeface="Mona Sans Semi Bold" pitchFamily="34" charset="-120"/>
-              </a:rPr>
-              <a:t> </a:t>
-            </a:r>
-            <a:r>
-              <a:rPr lang="en-US" sz="3200" dirty="0" err="1" smtClean="0">
-                <a:solidFill>
-                  <a:srgbClr val="373B48"/>
-                </a:solidFill>
-                <a:latin typeface="Mona Sans Semi Bold" pitchFamily="34" charset="0"/>
-                <a:ea typeface="Mona Sans Semi Bold" pitchFamily="34" charset="-122"/>
-                <a:cs typeface="Mona Sans Semi Bold" pitchFamily="34" charset="-120"/>
-              </a:rPr>
-              <a:t>계획</a:t>
-            </a:r>
-            <a:r>
-              <a:rPr lang="en-US" sz="3200" dirty="0" smtClean="0">
-                <a:solidFill>
-                  <a:srgbClr val="373B48"/>
-                </a:solidFill>
-                <a:latin typeface="Mona Sans Semi Bold" pitchFamily="34" charset="0"/>
-                <a:ea typeface="Mona Sans Semi Bold" pitchFamily="34" charset="-122"/>
-                <a:cs typeface="Mona Sans Semi Bold" pitchFamily="34" charset="-120"/>
-              </a:rPr>
-              <a:t> 및 </a:t>
-            </a:r>
-            <a:r>
-              <a:rPr lang="en-US" sz="3200" dirty="0" err="1" smtClean="0">
-                <a:solidFill>
-                  <a:srgbClr val="373B48"/>
-                </a:solidFill>
-                <a:latin typeface="Mona Sans Semi Bold" pitchFamily="34" charset="0"/>
-                <a:ea typeface="Mona Sans Semi Bold" pitchFamily="34" charset="-122"/>
-                <a:cs typeface="Mona Sans Semi Bold" pitchFamily="34" charset="-120"/>
-              </a:rPr>
-              <a:t>진행</a:t>
-            </a:r>
-            <a:r>
-              <a:rPr lang="en-US" sz="3200" dirty="0" smtClean="0">
-                <a:solidFill>
-                  <a:srgbClr val="373B48"/>
-                </a:solidFill>
-                <a:latin typeface="Mona Sans Semi Bold" pitchFamily="34" charset="0"/>
-                <a:ea typeface="Mona Sans Semi Bold" pitchFamily="34" charset="-122"/>
-                <a:cs typeface="Mona Sans Semi Bold" pitchFamily="34" charset="-120"/>
-              </a:rPr>
-              <a:t> </a:t>
-            </a:r>
-            <a:r>
-              <a:rPr lang="en-US" sz="3200" dirty="0" err="1" smtClean="0">
-                <a:solidFill>
-                  <a:srgbClr val="373B48"/>
-                </a:solidFill>
-                <a:latin typeface="Mona Sans Semi Bold" pitchFamily="34" charset="0"/>
-                <a:ea typeface="Mona Sans Semi Bold" pitchFamily="34" charset="-122"/>
-                <a:cs typeface="Mona Sans Semi Bold" pitchFamily="34" charset="-120"/>
-              </a:rPr>
-              <a:t>현황</a:t>
-            </a:r>
-            <a:endParaRPr lang="en-US" sz="3200" dirty="0"/>
-          </a:p>
-        </p:txBody>
-      </p:sp>
-      <p:pic>
-        <p:nvPicPr>
-          <p:cNvPr id="11" name="그림 10"/>
-          <p:cNvPicPr>
-            <a:picLocks noChangeAspect="1"/>
-          </p:cNvPicPr>
-          <p:nvPr/>
-        </p:nvPicPr>
-        <p:blipFill>
-          <a:blip r:embed="rId3"/>
-          <a:stretch>
-            <a:fillRect/>
-          </a:stretch>
-        </p:blipFill>
-        <p:spPr>
-          <a:xfrm>
-            <a:off x="1045029" y="1416058"/>
-            <a:ext cx="11213961" cy="5517303"/>
-          </a:xfrm>
-          <a:prstGeom prst="rect">
-            <a:avLst/>
-          </a:prstGeom>
-        </p:spPr>
-      </p:pic>
-    </p:spTree>
-    <p:extLst>
-      <p:ext uri="{BB962C8B-B14F-4D97-AF65-F5344CB8AC3E}">
-        <p14:creationId xmlns:p14="http://schemas.microsoft.com/office/powerpoint/2010/main" val="1426353719"/>
-      </p:ext>
-    </p:extLst>
-  </p:cSld>
-  <p:clrMapOvr>
-    <a:masterClrMapping/>
-  </p:clrMapOvr>
-</p:sld>
-</file>
-
-<file path=ppt/slides/slide4.xml><?xml version="1.0" encoding="utf-8"?>
-<p:sld xmlns:a="http://schemas.openxmlformats.org/drawingml/2006/main" xmlns:r="http://schemas.openxmlformats.org/officeDocument/2006/relationships" xmlns:p="http://schemas.openxmlformats.org/presentationml/2006/main">
-  <p:cSld>
-    <p:spTree>
-      <p:nvGrpSpPr>
-        <p:cNvPr id="1" name=""/>
-        <p:cNvGrpSpPr/>
-        <p:nvPr/>
-      </p:nvGrpSpPr>
-      <p:grpSpPr>
-        <a:xfrm>
-          <a:off x="0" y="0"/>
-          <a:ext cx="0" cy="0"/>
-          <a:chOff x="0" y="0"/>
-          <a:chExt cx="0" cy="0"/>
-        </a:xfrm>
-      </p:grpSpPr>
-      <p:sp>
-        <p:nvSpPr>
-          <p:cNvPr id="2" name="Text 0"/>
-          <p:cNvSpPr/>
-          <p:nvPr/>
-        </p:nvSpPr>
-        <p:spPr>
-          <a:xfrm>
-            <a:off x="569357" y="447437"/>
-            <a:ext cx="4812387" cy="508397"/>
-          </a:xfrm>
-          <a:prstGeom prst="rect">
-            <a:avLst/>
-          </a:prstGeom>
-          <a:noFill/>
-          <a:ln/>
-        </p:spPr>
-        <p:txBody>
-          <a:bodyPr wrap="none" lIns="0" tIns="0" rIns="0" bIns="0" rtlCol="0" anchor="t"/>
-          <a:lstStyle/>
-          <a:p>
-            <a:pPr marL="0" indent="0" algn="l">
-              <a:lnSpc>
-                <a:spcPts val="4000"/>
-              </a:lnSpc>
-              <a:buNone/>
-            </a:pPr>
-            <a:r>
-              <a:rPr lang="en-US" sz="3200" dirty="0" smtClean="0">
-                <a:solidFill>
-                  <a:srgbClr val="373B48"/>
-                </a:solidFill>
-                <a:latin typeface="Mona Sans Semi Bold" pitchFamily="34" charset="0"/>
-                <a:ea typeface="Mona Sans Semi Bold" pitchFamily="34" charset="-122"/>
-                <a:cs typeface="Mona Sans Semi Bold" pitchFamily="34" charset="-120"/>
-              </a:rPr>
-              <a:t>11</a:t>
-            </a:r>
-            <a:r>
-              <a:rPr lang="en-US" sz="3200" dirty="0" smtClean="0">
-                <a:solidFill>
-                  <a:srgbClr val="373B48"/>
-                </a:solidFill>
-                <a:latin typeface="Mona Sans Semi Bold" pitchFamily="34" charset="0"/>
-                <a:ea typeface="Mona Sans Semi Bold" pitchFamily="34" charset="-122"/>
-                <a:cs typeface="Mona Sans Semi Bold" pitchFamily="34" charset="-120"/>
-              </a:rPr>
-              <a:t>주차 </a:t>
-            </a:r>
-            <a:r>
-              <a:rPr lang="ko-KR" altLang="en-US" sz="3200" dirty="0" err="1" smtClean="0">
-                <a:solidFill>
-                  <a:srgbClr val="373B48"/>
-                </a:solidFill>
-                <a:latin typeface="Mona Sans Semi Bold" pitchFamily="34" charset="0"/>
-                <a:ea typeface="Mona Sans Semi Bold" pitchFamily="34" charset="-122"/>
-                <a:cs typeface="Mona Sans Semi Bold" pitchFamily="34" charset="-120"/>
-              </a:rPr>
-              <a:t>일정별</a:t>
-            </a:r>
-            <a:r>
-              <a:rPr lang="ko-KR" altLang="en-US" sz="3200" dirty="0" smtClean="0">
-                <a:solidFill>
-                  <a:srgbClr val="373B48"/>
-                </a:solidFill>
-                <a:latin typeface="Mona Sans Semi Bold" pitchFamily="34" charset="0"/>
-                <a:ea typeface="Mona Sans Semi Bold" pitchFamily="34" charset="-122"/>
-                <a:cs typeface="Mona Sans Semi Bold" pitchFamily="34" charset="-120"/>
-              </a:rPr>
-              <a:t> </a:t>
-            </a:r>
-            <a:r>
-              <a:rPr lang="ko-KR" altLang="en-US" sz="3200" dirty="0" err="1" smtClean="0">
-                <a:solidFill>
-                  <a:srgbClr val="373B48"/>
-                </a:solidFill>
-                <a:latin typeface="Mona Sans Semi Bold" pitchFamily="34" charset="0"/>
-                <a:ea typeface="Mona Sans Semi Bold" pitchFamily="34" charset="-122"/>
-                <a:cs typeface="Mona Sans Semi Bold" pitchFamily="34" charset="-120"/>
-              </a:rPr>
-              <a:t>진척률</a:t>
-            </a:r>
-            <a:endParaRPr lang="en-US" sz="3200" dirty="0"/>
-          </a:p>
-        </p:txBody>
-      </p:sp>
-    </p:spTree>
-    <p:extLst>
-      <p:ext uri="{BB962C8B-B14F-4D97-AF65-F5344CB8AC3E}">
-        <p14:creationId xmlns:p14="http://schemas.microsoft.com/office/powerpoint/2010/main" val="1175121747"/>
-      </p:ext>
-    </p:extLst>
-  </p:cSld>
-  <p:clrMapOvr>
-    <a:masterClrMapping/>
-  </p:clrMapOvr>
-</p:sld>
-</file>
-
-<file path=ppt/slides/slide5.xml><?xml version="1.0" encoding="utf-8"?>
 <p:sld xmlns:a="http://schemas.openxmlformats.org/drawingml/2006/main" xmlns:r="http://schemas.openxmlformats.org/officeDocument/2006/relationships" xmlns:p="http://schemas.openxmlformats.org/presentationml/2006/main">
   <p:cSld name="Slide 3">
     <p:spTree>
@@ -2364,6 +2064,314 @@
         </p:txBody>
       </p:sp>
     </p:spTree>
+  </p:cSld>
+  <p:clrMapOvr>
+    <a:masterClrMapping/>
+  </p:clrMapOvr>
+</p:sld>
+</file>
+
+<file path=ppt/slides/slide4.xml><?xml version="1.0" encoding="utf-8"?>
+<p:sld xmlns:a="http://schemas.openxmlformats.org/drawingml/2006/main" xmlns:r="http://schemas.openxmlformats.org/officeDocument/2006/relationships" xmlns:p="http://schemas.openxmlformats.org/presentationml/2006/main">
+  <p:cSld>
+    <p:spTree>
+      <p:nvGrpSpPr>
+        <p:cNvPr id="1" name=""/>
+        <p:cNvGrpSpPr/>
+        <p:nvPr/>
+      </p:nvGrpSpPr>
+      <p:grpSpPr>
+        <a:xfrm>
+          <a:off x="0" y="0"/>
+          <a:ext cx="0" cy="0"/>
+          <a:chOff x="0" y="0"/>
+          <a:chExt cx="0" cy="0"/>
+        </a:xfrm>
+      </p:grpSpPr>
+      <p:sp>
+        <p:nvSpPr>
+          <p:cNvPr id="2" name="Text 0"/>
+          <p:cNvSpPr/>
+          <p:nvPr/>
+        </p:nvSpPr>
+        <p:spPr>
+          <a:xfrm>
+            <a:off x="569357" y="447437"/>
+            <a:ext cx="4812387" cy="508397"/>
+          </a:xfrm>
+          <a:prstGeom prst="rect">
+            <a:avLst/>
+          </a:prstGeom>
+          <a:noFill/>
+          <a:ln/>
+        </p:spPr>
+        <p:txBody>
+          <a:bodyPr wrap="none" lIns="0" tIns="0" rIns="0" bIns="0" rtlCol="0" anchor="t"/>
+          <a:lstStyle/>
+          <a:p>
+            <a:pPr marL="0" indent="0" algn="l">
+              <a:lnSpc>
+                <a:spcPts val="4000"/>
+              </a:lnSpc>
+              <a:buNone/>
+            </a:pPr>
+            <a:r>
+              <a:rPr lang="en-US" sz="3200">
+                <a:solidFill>
+                  <a:srgbClr val="373B48"/>
+                </a:solidFill>
+                <a:latin typeface="Mona Sans Semi Bold" pitchFamily="34" charset="0"/>
+                <a:ea typeface="Mona Sans Semi Bold" pitchFamily="34" charset="-122"/>
+                <a:cs typeface="Mona Sans Semi Bold" pitchFamily="34" charset="-120"/>
+              </a:rPr>
+              <a:t>12주차 </a:t>
+            </a:r>
+            <a:r>
+              <a:rPr lang="en-US" sz="3200" dirty="0" err="1">
+                <a:solidFill>
+                  <a:srgbClr val="373B48"/>
+                </a:solidFill>
+                <a:latin typeface="Mona Sans Semi Bold" pitchFamily="34" charset="0"/>
+                <a:ea typeface="Mona Sans Semi Bold" pitchFamily="34" charset="-122"/>
+                <a:cs typeface="Mona Sans Semi Bold" pitchFamily="34" charset="-120"/>
+              </a:rPr>
+              <a:t>일정</a:t>
+            </a:r>
+            <a:r>
+              <a:rPr lang="en-US" sz="3200" dirty="0">
+                <a:solidFill>
+                  <a:srgbClr val="373B48"/>
+                </a:solidFill>
+                <a:latin typeface="Mona Sans Semi Bold" pitchFamily="34" charset="0"/>
+                <a:ea typeface="Mona Sans Semi Bold" pitchFamily="34" charset="-122"/>
+                <a:cs typeface="Mona Sans Semi Bold" pitchFamily="34" charset="-120"/>
+              </a:rPr>
+              <a:t> </a:t>
+            </a:r>
+            <a:r>
+              <a:rPr lang="en-US" sz="3200" dirty="0" err="1">
+                <a:solidFill>
+                  <a:srgbClr val="373B48"/>
+                </a:solidFill>
+                <a:latin typeface="Mona Sans Semi Bold" pitchFamily="34" charset="0"/>
+                <a:ea typeface="Mona Sans Semi Bold" pitchFamily="34" charset="-122"/>
+                <a:cs typeface="Mona Sans Semi Bold" pitchFamily="34" charset="-120"/>
+              </a:rPr>
+              <a:t>계획</a:t>
+            </a:r>
+            <a:r>
+              <a:rPr lang="en-US" sz="3200" dirty="0">
+                <a:solidFill>
+                  <a:srgbClr val="373B48"/>
+                </a:solidFill>
+                <a:latin typeface="Mona Sans Semi Bold" pitchFamily="34" charset="0"/>
+                <a:ea typeface="Mona Sans Semi Bold" pitchFamily="34" charset="-122"/>
+                <a:cs typeface="Mona Sans Semi Bold" pitchFamily="34" charset="-120"/>
+              </a:rPr>
+              <a:t> 및 </a:t>
+            </a:r>
+            <a:r>
+              <a:rPr lang="en-US" sz="3200" dirty="0" err="1">
+                <a:solidFill>
+                  <a:srgbClr val="373B48"/>
+                </a:solidFill>
+                <a:latin typeface="Mona Sans Semi Bold" pitchFamily="34" charset="0"/>
+                <a:ea typeface="Mona Sans Semi Bold" pitchFamily="34" charset="-122"/>
+                <a:cs typeface="Mona Sans Semi Bold" pitchFamily="34" charset="-120"/>
+              </a:rPr>
+              <a:t>진행</a:t>
+            </a:r>
+            <a:r>
+              <a:rPr lang="en-US" sz="3200" dirty="0">
+                <a:solidFill>
+                  <a:srgbClr val="373B48"/>
+                </a:solidFill>
+                <a:latin typeface="Mona Sans Semi Bold" pitchFamily="34" charset="0"/>
+                <a:ea typeface="Mona Sans Semi Bold" pitchFamily="34" charset="-122"/>
+                <a:cs typeface="Mona Sans Semi Bold" pitchFamily="34" charset="-120"/>
+              </a:rPr>
+              <a:t> </a:t>
+            </a:r>
+            <a:r>
+              <a:rPr lang="en-US" sz="3200" dirty="0" err="1">
+                <a:solidFill>
+                  <a:srgbClr val="373B48"/>
+                </a:solidFill>
+                <a:latin typeface="Mona Sans Semi Bold" pitchFamily="34" charset="0"/>
+                <a:ea typeface="Mona Sans Semi Bold" pitchFamily="34" charset="-122"/>
+                <a:cs typeface="Mona Sans Semi Bold" pitchFamily="34" charset="-120"/>
+              </a:rPr>
+              <a:t>현황</a:t>
+            </a:r>
+            <a:endParaRPr lang="en-US" sz="3200" dirty="0"/>
+          </a:p>
+        </p:txBody>
+      </p:sp>
+      <p:pic>
+        <p:nvPicPr>
+          <p:cNvPr id="11" name="그림 10"/>
+          <p:cNvPicPr>
+            <a:picLocks noChangeAspect="1"/>
+          </p:cNvPicPr>
+          <p:nvPr/>
+        </p:nvPicPr>
+        <p:blipFill>
+          <a:blip r:embed="rId3"/>
+          <a:stretch>
+            <a:fillRect/>
+          </a:stretch>
+        </p:blipFill>
+        <p:spPr>
+          <a:xfrm>
+            <a:off x="1045029" y="1416058"/>
+            <a:ext cx="11213961" cy="5517303"/>
+          </a:xfrm>
+          <a:prstGeom prst="rect">
+            <a:avLst/>
+          </a:prstGeom>
+        </p:spPr>
+      </p:pic>
+    </p:spTree>
+    <p:extLst>
+      <p:ext uri="{BB962C8B-B14F-4D97-AF65-F5344CB8AC3E}">
+        <p14:creationId xmlns:p14="http://schemas.microsoft.com/office/powerpoint/2010/main" val="1426353719"/>
+      </p:ext>
+    </p:extLst>
+  </p:cSld>
+  <p:clrMapOvr>
+    <a:masterClrMapping/>
+  </p:clrMapOvr>
+</p:sld>
+</file>
+
+<file path=ppt/slides/slide5.xml><?xml version="1.0" encoding="utf-8"?>
+<p:sld xmlns:a="http://schemas.openxmlformats.org/drawingml/2006/main" xmlns:r="http://schemas.openxmlformats.org/officeDocument/2006/relationships" xmlns:p="http://schemas.openxmlformats.org/presentationml/2006/main">
+  <p:cSld>
+    <p:spTree>
+      <p:nvGrpSpPr>
+        <p:cNvPr id="1" name=""/>
+        <p:cNvGrpSpPr/>
+        <p:nvPr/>
+      </p:nvGrpSpPr>
+      <p:grpSpPr>
+        <a:xfrm>
+          <a:off x="0" y="0"/>
+          <a:ext cx="0" cy="0"/>
+          <a:chOff x="0" y="0"/>
+          <a:chExt cx="0" cy="0"/>
+        </a:xfrm>
+      </p:grpSpPr>
+      <p:sp>
+        <p:nvSpPr>
+          <p:cNvPr id="2" name="Text 0"/>
+          <p:cNvSpPr/>
+          <p:nvPr/>
+        </p:nvSpPr>
+        <p:spPr>
+          <a:xfrm>
+            <a:off x="569357" y="447437"/>
+            <a:ext cx="4812387" cy="508397"/>
+          </a:xfrm>
+          <a:prstGeom prst="rect">
+            <a:avLst/>
+          </a:prstGeom>
+          <a:noFill/>
+          <a:ln/>
+        </p:spPr>
+        <p:txBody>
+          <a:bodyPr wrap="none" lIns="0" tIns="0" rIns="0" bIns="0" rtlCol="0" anchor="t"/>
+          <a:lstStyle/>
+          <a:p>
+            <a:pPr marL="0" indent="0" algn="l">
+              <a:lnSpc>
+                <a:spcPts val="4000"/>
+              </a:lnSpc>
+              <a:buNone/>
+            </a:pPr>
+            <a:r>
+              <a:rPr lang="en-US" sz="3200">
+                <a:solidFill>
+                  <a:srgbClr val="373B48"/>
+                </a:solidFill>
+                <a:latin typeface="Mona Sans Semi Bold" pitchFamily="34" charset="0"/>
+                <a:ea typeface="Mona Sans Semi Bold" pitchFamily="34" charset="-122"/>
+                <a:cs typeface="Mona Sans Semi Bold" pitchFamily="34" charset="-120"/>
+              </a:rPr>
+              <a:t>12주차 </a:t>
+            </a:r>
+            <a:r>
+              <a:rPr lang="ko-KR" altLang="en-US" sz="3200" dirty="0" err="1">
+                <a:solidFill>
+                  <a:srgbClr val="373B48"/>
+                </a:solidFill>
+                <a:latin typeface="Mona Sans Semi Bold" pitchFamily="34" charset="0"/>
+                <a:ea typeface="Mona Sans Semi Bold" pitchFamily="34" charset="-122"/>
+                <a:cs typeface="Mona Sans Semi Bold" pitchFamily="34" charset="-120"/>
+              </a:rPr>
+              <a:t>일정별</a:t>
+            </a:r>
+            <a:r>
+              <a:rPr lang="ko-KR" altLang="en-US" sz="3200" dirty="0">
+                <a:solidFill>
+                  <a:srgbClr val="373B48"/>
+                </a:solidFill>
+                <a:latin typeface="Mona Sans Semi Bold" pitchFamily="34" charset="0"/>
+                <a:ea typeface="Mona Sans Semi Bold" pitchFamily="34" charset="-122"/>
+                <a:cs typeface="Mona Sans Semi Bold" pitchFamily="34" charset="-120"/>
+              </a:rPr>
+              <a:t> </a:t>
+            </a:r>
+            <a:r>
+              <a:rPr lang="ko-KR" altLang="en-US" sz="3200" dirty="0" err="1">
+                <a:solidFill>
+                  <a:srgbClr val="373B48"/>
+                </a:solidFill>
+                <a:latin typeface="Mona Sans Semi Bold" pitchFamily="34" charset="0"/>
+                <a:ea typeface="Mona Sans Semi Bold" pitchFamily="34" charset="-122"/>
+                <a:cs typeface="Mona Sans Semi Bold" pitchFamily="34" charset="-120"/>
+              </a:rPr>
+              <a:t>진척률</a:t>
+            </a:r>
+            <a:endParaRPr lang="en-US" sz="3200" dirty="0"/>
+          </a:p>
+        </p:txBody>
+      </p:sp>
+      <p:pic>
+        <p:nvPicPr>
+          <p:cNvPr id="6" name="그림 5">
+            <a:extLst>
+              <a:ext uri="{FF2B5EF4-FFF2-40B4-BE49-F238E27FC236}">
+                <a16:creationId xmlns:a16="http://schemas.microsoft.com/office/drawing/2014/main" id="{35060D12-9309-B3C9-9BCB-3DA4C65D267D}"/>
+              </a:ext>
+            </a:extLst>
+          </p:cNvPr>
+          <p:cNvPicPr>
+            <a:picLocks noChangeAspect="1"/>
+          </p:cNvPicPr>
+          <p:nvPr/>
+        </p:nvPicPr>
+        <p:blipFill>
+          <a:blip r:embed="rId3"/>
+          <a:stretch>
+            <a:fillRect/>
+          </a:stretch>
+        </p:blipFill>
+        <p:spPr>
+          <a:xfrm>
+            <a:off x="1627740" y="2226366"/>
+            <a:ext cx="10647086" cy="4562061"/>
+          </a:xfrm>
+          <a:prstGeom prst="rect">
+            <a:avLst/>
+          </a:prstGeom>
+        </p:spPr>
+      </p:pic>
+    </p:spTree>
+    <p:extLst>
+      <p:ext uri="{BB962C8B-B14F-4D97-AF65-F5344CB8AC3E}">
+        <p14:creationId xmlns:p14="http://schemas.microsoft.com/office/powerpoint/2010/main" val="1175121747"/>
+      </p:ext>
+    </p:extLst>
   </p:cSld>
   <p:clrMapOvr>
     <a:masterClrMapping/>
